--- a/paper/figures/Storyboard.pptx
+++ b/paper/figures/Storyboard.pptx
@@ -264,7 +264,7 @@
       </p15:sldGuideLst>
     </p:ext>
     <p:ext uri="GoogleSlidesCustomDataVersion2">
-      <go:slidesCustomData xmlns:go="http://customooxmlschemas.google.com/" xmlns:ahyp="http://schemas.microsoft.com/office/drawing/2018/hyperlinkcolor" xmlns:p15="http://schemas.microsoft.com/office/powerpoint/2012/main" xmlns:p14="http://schemas.microsoft.com/office/powerpoint/2010/main" xmlns:com="http://schemas.openxmlformats.org/drawingml/2006/compatibility" xmlns:pvml="urn:schemas-microsoft-com:office:powerpoint" xmlns:v="urn:schemas-microsoft-com:vml" xmlns:o="urn:schemas-microsoft-com:office:office" xmlns:dgm="http://schemas.openxmlformats.org/drawingml/2006/diagram" xmlns:c="http://schemas.openxmlformats.org/drawingml/2006/chart" xmlns:mv="urn:schemas-microsoft-com:mac:vml" xmlns:mc="http://schemas.openxmlformats.org/markup-compatibility/2006" xmlns="" r:id="rId15" roundtripDataSignature="AMtx7miLwvWv0eJD/SjyQ4OKOHmAeQImjA=="/>
+      <go:slidesCustomData xmlns="" xmlns:mc="http://schemas.openxmlformats.org/markup-compatibility/2006" xmlns:mv="urn:schemas-microsoft-com:mac:vml" xmlns:c="http://schemas.openxmlformats.org/drawingml/2006/chart" xmlns:dgm="http://schemas.openxmlformats.org/drawingml/2006/diagram" xmlns:o="urn:schemas-microsoft-com:office:office" xmlns:v="urn:schemas-microsoft-com:vml" xmlns:pvml="urn:schemas-microsoft-com:office:powerpoint" xmlns:com="http://schemas.openxmlformats.org/drawingml/2006/compatibility" xmlns:p14="http://schemas.microsoft.com/office/powerpoint/2010/main" xmlns:p15="http://schemas.microsoft.com/office/powerpoint/2012/main" xmlns:ahyp="http://schemas.microsoft.com/office/drawing/2018/hyperlinkcolor" xmlns:go="http://customooxmlschemas.google.com/" r:id="rId15" roundtripDataSignature="AMtx7miLwvWv0eJD/SjyQ4OKOHmAeQImjA=="/>
     </p:ext>
   </p:extLst>
 </p:presentation>
@@ -2994,10 +2994,10 @@
               <a:buNone/>
             </a:pPr>
             <a:r>
-              <a:rPr lang="en-US"/>
+              <a:rPr lang="en-US" dirty="0"/>
               <a:t>Describe the calibration process. </a:t>
             </a:r>
-            <a:endParaRPr/>
+            <a:endParaRPr dirty="0"/>
           </a:p>
           <a:p>
             <a:pPr marL="228600" lvl="0" indent="-228600" algn="l" rtl="0">
@@ -3015,10 +3015,10 @@
               <a:buAutoNum type="arabicParenR"/>
             </a:pPr>
             <a:r>
-              <a:rPr lang="en-US"/>
+              <a:rPr lang="en-US" dirty="0"/>
               <a:t>Find the Austenite Young’s modulus, assuming that as the reference temperature. Solve Hooke’s Law.</a:t>
             </a:r>
-            <a:endParaRPr/>
+            <a:endParaRPr dirty="0"/>
           </a:p>
           <a:p>
             <a:pPr marL="228600" lvl="0" indent="-228600" algn="l" rtl="0">
@@ -3036,10 +3036,18 @@
               <a:buAutoNum type="arabicParenR"/>
             </a:pPr>
             <a:r>
-              <a:rPr lang="en-US"/>
-              <a:t>Solve Hooke’s law in Austenite to find Martensite Young’s modulus, coefficient of thermal expansion, and all parameters related to H_cur.</a:t>
+              <a:rPr lang="en-US" dirty="0"/>
+              <a:t>Solve Hooke’s law in Austenite to find Martensite Young’s modulus, coefficient of thermal expansion, and all parameters related to </a:t>
             </a:r>
-            <a:endParaRPr/>
+            <a:r>
+              <a:rPr lang="en-US" dirty="0" err="1"/>
+              <a:t>H_cur</a:t>
+            </a:r>
+            <a:r>
+              <a:rPr lang="en-US" dirty="0"/>
+              <a:t>.</a:t>
+            </a:r>
+            <a:endParaRPr dirty="0"/>
           </a:p>
           <a:p>
             <a:pPr marL="228600" lvl="0" indent="-228600" algn="l" rtl="0">
@@ -3057,10 +3065,10 @@
               <a:buAutoNum type="arabicParenR"/>
             </a:pPr>
             <a:r>
-              <a:rPr lang="en-US"/>
+              <a:rPr lang="en-US" dirty="0"/>
               <a:t>Use the reported zero-stress transformation temperatures and 300 MPa transformation temperatures to find transformation temperatures and stress-influence coefficients. </a:t>
             </a:r>
-            <a:endParaRPr/>
+            <a:endParaRPr dirty="0"/>
           </a:p>
           <a:p>
             <a:pPr marL="228600" lvl="0" indent="-228600" algn="l" rtl="0">
@@ -3078,10 +3086,18 @@
               <a:buAutoNum type="arabicParenR"/>
             </a:pPr>
             <a:r>
-              <a:rPr lang="en-US"/>
-              <a:t>Set n_i = 1 </a:t>
+              <a:rPr lang="en-US" dirty="0"/>
+              <a:t>Set </a:t>
             </a:r>
-            <a:endParaRPr/>
+            <a:r>
+              <a:rPr lang="en-US" dirty="0" err="1"/>
+              <a:t>n_i</a:t>
+            </a:r>
+            <a:r>
+              <a:rPr lang="en-US" dirty="0"/>
+              <a:t> = 1 </a:t>
+            </a:r>
+            <a:endParaRPr dirty="0"/>
           </a:p>
           <a:p>
             <a:pPr marL="228600" lvl="0" indent="-152400" algn="l" rtl="0">
@@ -3098,7 +3114,7 @@
               <a:buFont typeface="Calibri"/>
               <a:buNone/>
             </a:pPr>
-            <a:endParaRPr/>
+            <a:endParaRPr dirty="0"/>
           </a:p>
           <a:p>
             <a:pPr marL="0" lvl="0" indent="0" algn="l" rtl="0">
@@ -3116,10 +3132,10 @@
               <a:buNone/>
             </a:pPr>
             <a:r>
-              <a:rPr lang="en-US"/>
+              <a:rPr lang="en-US" dirty="0"/>
               <a:t>This calibration produced a solution with 3.13% error, but clearly there is performance that is left on the table. </a:t>
             </a:r>
-            <a:endParaRPr/>
+            <a:endParaRPr dirty="0"/>
           </a:p>
           <a:p>
             <a:pPr marL="0" lvl="0" indent="0" algn="l" rtl="0">
@@ -3136,7 +3152,7 @@
               <a:buFont typeface="Calibri"/>
               <a:buNone/>
             </a:pPr>
-            <a:endParaRPr/>
+            <a:endParaRPr dirty="0"/>
           </a:p>
           <a:p>
             <a:pPr marL="0" lvl="0" indent="0" algn="l" rtl="0">
@@ -3154,10 +3170,10 @@
               <a:buNone/>
             </a:pPr>
             <a:r>
-              <a:rPr lang="en-US"/>
+              <a:rPr lang="en-US" dirty="0"/>
               <a:t>Additionally, this calibration required numerical optimization to find the properties in step 2, so a globally optimal calibration is needed. </a:t>
             </a:r>
-            <a:endParaRPr/>
+            <a:endParaRPr dirty="0"/>
           </a:p>
           <a:p>
             <a:pPr marL="0" lvl="0" indent="0" algn="l" rtl="0">
@@ -3174,7 +3190,7 @@
               <a:buFont typeface="Calibri"/>
               <a:buNone/>
             </a:pPr>
-            <a:endParaRPr/>
+            <a:endParaRPr dirty="0"/>
           </a:p>
           <a:p>
             <a:pPr marL="0" lvl="0" indent="0" algn="l" rtl="0">
@@ -3192,10 +3208,10 @@
               <a:buNone/>
             </a:pPr>
             <a:r>
-              <a:rPr lang="en-US"/>
+              <a:rPr lang="en-US" dirty="0"/>
               <a:t>I think there’s something wrong with this calibration because of the offset. I really think I should look at this again and fix that. The calibration should be perfect at the temperature extrema, but in the middle, during transformation, the strain should be off.</a:t>
             </a:r>
-            <a:endParaRPr/>
+            <a:endParaRPr dirty="0"/>
           </a:p>
         </p:txBody>
       </p:sp>
@@ -3360,10 +3376,10 @@
               <a:buNone/>
             </a:pPr>
             <a:r>
-              <a:rPr lang="en-US"/>
+              <a:rPr lang="en-US" dirty="0"/>
               <a:t>Just explain this table and explain the process. </a:t>
             </a:r>
-            <a:endParaRPr/>
+            <a:endParaRPr dirty="0"/>
           </a:p>
           <a:p>
             <a:pPr marL="0" lvl="0" indent="0" algn="l" rtl="0">
@@ -3375,7 +3391,7 @@
               </a:spcAft>
               <a:buNone/>
             </a:pPr>
-            <a:endParaRPr/>
+            <a:endParaRPr dirty="0"/>
           </a:p>
           <a:p>
             <a:pPr marL="0" lvl="0" indent="0" algn="l" rtl="0">
@@ -3388,8 +3404,81 @@
               <a:buNone/>
             </a:pPr>
             <a:r>
+              <a:rPr lang="en-US" dirty="0"/>
+              <a:t>With the tool, by inspecting the bounds to which the design variables converged, bounds can be fine-tuned and a truly globally optimal solution can be found. </a:t>
+            </a:r>
+          </a:p>
+          <a:p>
+            <a:pPr marL="0" lvl="0" indent="0" algn="l" rtl="0">
+              <a:spcBef>
+                <a:spcPts val="0"/>
+              </a:spcBef>
+              <a:spcAft>
+                <a:spcPts val="0"/>
+              </a:spcAft>
+              <a:buNone/>
+            </a:pPr>
+            <a:endParaRPr lang="en-US" dirty="0"/>
+          </a:p>
+          <a:p>
+            <a:pPr marL="0" lvl="0" indent="0" algn="l" rtl="0">
+              <a:spcBef>
+                <a:spcPts val="0"/>
+              </a:spcBef>
+              <a:spcAft>
+                <a:spcPts val="0"/>
+              </a:spcAft>
+              <a:buNone/>
+            </a:pPr>
+            <a:r>
+              <a:rPr lang="en-US" dirty="0"/>
+              <a:t>Talk about the process. </a:t>
+            </a:r>
+          </a:p>
+          <a:p>
+            <a:pPr marL="0" lvl="0" indent="0" algn="l" rtl="0">
+              <a:spcBef>
+                <a:spcPts val="0"/>
+              </a:spcBef>
+              <a:spcAft>
+                <a:spcPts val="0"/>
+              </a:spcAft>
+              <a:buNone/>
+            </a:pPr>
+            <a:r>
+              <a:rPr lang="en-US" dirty="0"/>
+              <a:t>-The conventional calibration was used as a starting point. The bounds for each model parameter were derived from the conventional calibration (e.g., the conventional value for E^M was estimated to be ___ MPa, so the bounds were set to be [X, Y] Pa). With these approximate bounds, a preliminary optimization was executed and improved the original calibration result by a full percent. Then, based on the values to which the optimization converged, the parameters that were up against the bounds were further inspected, bounds were widened, further improving the calibration accuracy. This process of inspecting the converged results and comparing to the optimization bounds was repeated three times until each parameter converged to a value well within the set bounds. This indicates that a local optima is found, and with a large enough initial population in the genetic algorithm, we are confident that this is near the globally optimal calibration for this model formulation. </a:t>
+            </a:r>
+          </a:p>
+          <a:p>
+            <a:pPr marL="0" lvl="0" indent="0" algn="l" rtl="0">
+              <a:spcBef>
+                <a:spcPts val="0"/>
+              </a:spcBef>
+              <a:spcAft>
+                <a:spcPts val="0"/>
+              </a:spcAft>
+              <a:buNone/>
+            </a:pPr>
+            <a:endParaRPr lang="en-US" dirty="0"/>
+          </a:p>
+          <a:p>
+            <a:pPr marL="0" lvl="0" indent="0" algn="l" rtl="0">
+              <a:spcBef>
+                <a:spcPts val="0"/>
+              </a:spcBef>
+              <a:spcAft>
+                <a:spcPts val="0"/>
+              </a:spcAft>
+              <a:buNone/>
+            </a:pPr>
+            <a:r>
+              <a:rPr lang="en-US" dirty="0"/>
+              <a:t>This entire process required less than one hour of work, and was completed on a lightweight laptop with a low-performance processor (Intel Core m3-6Y30 CPU @ 0.90 GHz with 4 Gb RAM). Herein lies the main contribution of this work: this calibration routine can be performed by general analysts, designers, or material scientists, without the need for </a:t>
+            </a:r>
+            <a:r>
               <a:rPr lang="en-US"/>
-              <a:t>With the tool, by inspecting the bounds to which the design variables converged, bounds can be fine-tuned and a truly globally optimal solution can be found. </a:t>
+              <a:t>exotic hardware. </a:t>
             </a:r>
             <a:endParaRPr/>
           </a:p>
@@ -3556,10 +3645,10 @@
               <a:buNone/>
             </a:pPr>
             <a:r>
-              <a:rPr lang="en-US"/>
+              <a:rPr lang="en-US" dirty="0"/>
               <a:t>Good</a:t>
             </a:r>
-            <a:endParaRPr/>
+            <a:endParaRPr dirty="0"/>
           </a:p>
           <a:p>
             <a:pPr marL="171450" lvl="0" indent="-171450" algn="l" rtl="0">
@@ -3577,10 +3666,10 @@
               <a:buChar char="•"/>
             </a:pPr>
             <a:r>
-              <a:rPr lang="en-US"/>
+              <a:rPr lang="en-US" dirty="0"/>
               <a:t>The response in martensite is almost perfectly captured. </a:t>
             </a:r>
-            <a:endParaRPr/>
+            <a:endParaRPr dirty="0"/>
           </a:p>
           <a:p>
             <a:pPr marL="171450" lvl="0" indent="-171450" algn="l" rtl="0">
@@ -3598,10 +3687,10 @@
               <a:buChar char="•"/>
             </a:pPr>
             <a:r>
-              <a:rPr lang="en-US"/>
+              <a:rPr lang="en-US" dirty="0"/>
               <a:t>Transformation temperatures are captured quite well. This gets worse with increasing stress because 1) the transformation temperatures are not a linear function of stress (see C_ figure in Bigelow), and 2) the smoothness of transformation is not constant with stress (see 100 MPa transformation into austenite vs. 300 MPa transformation into austenite). </a:t>
             </a:r>
-            <a:endParaRPr/>
+            <a:endParaRPr dirty="0"/>
           </a:p>
           <a:p>
             <a:pPr marL="171450" lvl="0" indent="-171450" algn="l" rtl="0">
@@ -3619,10 +3708,26 @@
               <a:buChar char="•"/>
             </a:pPr>
             <a:r>
-              <a:rPr lang="en-US"/>
-              <a:t>You can see how the optimizer finds the best global fit of the data when you look at the transformation temperatures with respect to austenite. For lower stresses, the A_s is too early, and the A_f is too late. At intermediate stresses, like 100 and 200 MPa, the transformation temperatures are almost perfect. Then, at 300 MPa, the A_s is too late and the A_f is too early. This could be better fit at the relevant stresses by biasing the solution to prioritize fitting certain stress levels (see my paper) or by simply calibrating the model at the stress levels that matter most. </a:t>
+              <a:rPr lang="en-US" dirty="0"/>
+              <a:t>You can see how the optimizer finds the best global fit of the data when you look at the transformation temperatures with respect to austenite. For lower stresses, the A_s is too early, and the </a:t>
             </a:r>
-            <a:endParaRPr/>
+            <a:r>
+              <a:rPr lang="en-US" dirty="0" err="1"/>
+              <a:t>A_f</a:t>
+            </a:r>
+            <a:r>
+              <a:rPr lang="en-US" dirty="0"/>
+              <a:t> is too late. At intermediate stresses, like 100 and 200 MPa, the transformation temperatures are almost perfect. Then, at 300 MPa, the A_s is too late and the </a:t>
+            </a:r>
+            <a:r>
+              <a:rPr lang="en-US" dirty="0" err="1"/>
+              <a:t>A_f</a:t>
+            </a:r>
+            <a:r>
+              <a:rPr lang="en-US" dirty="0"/>
+              <a:t> is too early. This could be better fit at the relevant stresses by biasing the solution to prioritize fitting certain stress levels (see my paper) or by simply calibrating the model at the stress levels that matter most. </a:t>
+            </a:r>
+            <a:endParaRPr dirty="0"/>
           </a:p>
           <a:p>
             <a:pPr marL="171450" lvl="0" indent="-95250" algn="l" rtl="0">
@@ -3639,7 +3744,7 @@
               <a:buFont typeface="Arial"/>
               <a:buNone/>
             </a:pPr>
-            <a:endParaRPr/>
+            <a:endParaRPr dirty="0"/>
           </a:p>
           <a:p>
             <a:pPr marL="0" lvl="0" indent="0" algn="l" rtl="0">
@@ -3657,10 +3762,10 @@
               <a:buNone/>
             </a:pPr>
             <a:r>
-              <a:rPr lang="en-US"/>
+              <a:rPr lang="en-US" dirty="0"/>
               <a:t>Bad: </a:t>
             </a:r>
-            <a:endParaRPr/>
+            <a:endParaRPr dirty="0"/>
           </a:p>
           <a:p>
             <a:pPr marL="171450" lvl="0" indent="-171450" algn="l" rtl="0">
@@ -3678,10 +3783,10 @@
               <a:buChar char="•"/>
             </a:pPr>
             <a:r>
-              <a:rPr lang="en-US"/>
+              <a:rPr lang="en-US" dirty="0"/>
               <a:t>The response in austenite isn’t perfect. It under-predicts the elastic strain at low stresses, then over-predicts it at high stresses. This is probably due to the transformation strain as a function of stress not being perfectly captured by the exponential function. It speaks to the utility of using an optimized result, because the solution is a best-case fit with no constant offset. </a:t>
             </a:r>
-            <a:endParaRPr/>
+            <a:endParaRPr dirty="0"/>
           </a:p>
           <a:p>
             <a:pPr marL="171450" lvl="0" indent="-171450" algn="l" rtl="0">
@@ -3699,10 +3804,18 @@
               <a:buChar char="•"/>
             </a:pPr>
             <a:r>
-              <a:rPr lang="en-US"/>
-              <a:t>The coefficient of thermal expansion is not constant for austenite and martensite. Clearly, the coefficeints of thermal expansion in austenite is larger than that in martensite. This is a model deficiency because the current model uses a convex cutting plane assumption for numerical integration/return mapping. Could be corrected. </a:t>
+              <a:rPr lang="en-US" dirty="0"/>
+              <a:t>The coefficient of thermal expansion is not constant for austenite and martensite. Clearly, the </a:t>
             </a:r>
-            <a:endParaRPr/>
+            <a:r>
+              <a:rPr lang="en-US" dirty="0" err="1"/>
+              <a:t>coefficeints</a:t>
+            </a:r>
+            <a:r>
+              <a:rPr lang="en-US" dirty="0"/>
+              <a:t> of thermal expansion in austenite is larger than that in martensite. This is a model deficiency because the current model uses a convex cutting plane assumption for numerical integration/return mapping. Could be corrected. </a:t>
+            </a:r>
+            <a:endParaRPr dirty="0"/>
           </a:p>
         </p:txBody>
       </p:sp>
@@ -14049,10 +14162,10 @@
               <a:buNone/>
             </a:pPr>
             <a:r>
-              <a:rPr lang="en-US" sz="2400"/>
+              <a:rPr lang="en-US" sz="2400" dirty="0"/>
               <a:t>Figure 1: The typical SMA development process involves many discrete steps. This work provides an easy constitutive model calibration tool (box 5) to enable SMA component design.  </a:t>
             </a:r>
-            <a:endParaRPr/>
+            <a:endParaRPr dirty="0"/>
           </a:p>
         </p:txBody>
       </p:sp>
@@ -14158,10 +14271,10 @@
               <a:buNone/>
             </a:pPr>
             <a:r>
-              <a:rPr lang="en-US" sz="2400"/>
+              <a:rPr lang="en-US" sz="2400" dirty="0"/>
               <a:t>Figure 2: SMA-REACT allows the user to load their own data, specify known model parameters, and find an optimal calibration that best approximates experimental response.</a:t>
             </a:r>
-            <a:endParaRPr/>
+            <a:endParaRPr dirty="0"/>
           </a:p>
         </p:txBody>
       </p:sp>
@@ -14267,11 +14380,11 @@
               <a:buNone/>
             </a:pPr>
             <a:r>
-              <a:rPr lang="en-US" sz="2400"/>
+              <a:rPr lang="en-US" sz="2400" dirty="0"/>
               <a:t>Table 1: The Lagoudas SMA constitutive model requires calibration of </a:t>
             </a:r>
             <a:r>
-              <a:rPr lang="en-US" sz="2400" b="0" i="0">
+              <a:rPr lang="en-US" sz="2400" b="0" i="0" dirty="0">
                 <a:solidFill>
                   <a:schemeClr val="dk1"/>
                 </a:solidFill>
@@ -14282,7 +14395,7 @@
               </a:rPr>
               <a:t>17 unique (but dependent) parameters.</a:t>
             </a:r>
-            <a:endParaRPr sz="2400"/>
+            <a:endParaRPr sz="2400" dirty="0"/>
           </a:p>
         </p:txBody>
       </p:sp>
@@ -16255,10 +16368,10 @@
               <a:buNone/>
             </a:pPr>
             <a:r>
-              <a:rPr lang="en-US" sz="2400"/>
+              <a:rPr lang="en-US" sz="2400" dirty="0"/>
               <a:t>Figure 3: Due to the interdependence of model parameters, numerical optimization is required for a robust fit of experimental data.</a:t>
             </a:r>
-            <a:endParaRPr/>
+            <a:endParaRPr dirty="0"/>
           </a:p>
         </p:txBody>
       </p:sp>
@@ -16614,10 +16727,10 @@
               <a:buNone/>
             </a:pPr>
             <a:r>
-              <a:rPr lang="en-US" sz="2400"/>
+              <a:rPr lang="en-US" sz="2400" dirty="0"/>
               <a:t>Figure 5: Conventional analytical/numerical calibration techniques produce a passable solution, but rely on user iterations to fine-tune model response.</a:t>
             </a:r>
-            <a:endParaRPr/>
+            <a:endParaRPr dirty="0"/>
           </a:p>
         </p:txBody>
       </p:sp>
@@ -16772,10 +16885,10 @@
               <a:buNone/>
             </a:pPr>
             <a:r>
-              <a:rPr lang="en-US"/>
+              <a:rPr lang="en-US" dirty="0"/>
               <a:t>Table 3: The SMA-REACT tool allows further refinement of the calibrated solution.</a:t>
             </a:r>
-            <a:endParaRPr/>
+            <a:endParaRPr dirty="0"/>
           </a:p>
         </p:txBody>
       </p:sp>
@@ -17261,10 +17374,22 @@
                         <a:buNone/>
                       </a:pPr>
                       <a:r>
-                        <a:rPr lang="en-US" sz="1800"/>
-                        <a:t>Widened bounds on M_s – M_f, Fixed everything but TTs and n_i</a:t>
+                        <a:rPr lang="en-US" sz="1800" dirty="0"/>
+                        <a:t>Widened bounds on M_s – </a:t>
                       </a:r>
-                      <a:endParaRPr sz="1800"/>
+                      <a:r>
+                        <a:rPr lang="en-US" sz="1800" dirty="0" err="1"/>
+                        <a:t>M_f</a:t>
+                      </a:r>
+                      <a:r>
+                        <a:rPr lang="en-US" sz="1800" dirty="0"/>
+                        <a:t>, Fixed everything but TTs and </a:t>
+                      </a:r>
+                      <a:r>
+                        <a:rPr lang="en-US" sz="1800" dirty="0" err="1"/>
+                        <a:t>n_i</a:t>
+                      </a:r>
+                      <a:endParaRPr sz="1800" dirty="0"/>
                     </a:p>
                   </a:txBody>
                   <a:tcPr marL="91450" marR="91450" marT="45725" marB="45725"/>
@@ -17351,10 +17476,10 @@
               <a:buNone/>
             </a:pPr>
             <a:r>
-              <a:rPr lang="en-US"/>
+              <a:rPr lang="en-US" dirty="0"/>
               <a:t>Figure 6: The final calibration agrees with the experimental data to within 1.5% mean squared error. </a:t>
             </a:r>
-            <a:endParaRPr/>
+            <a:endParaRPr dirty="0"/>
           </a:p>
         </p:txBody>
       </p:sp>
